--- a/08 - Deep Q-Networks (DQN)/slides.pptx
+++ b/08 - Deep Q-Networks (DQN)/slides.pptx
@@ -14297,10 +14297,10 @@
       </p:sp>
       <p:pic>
         <p:nvPicPr>
-          <p:cNvPr id="4" name="Immagine 3" descr="Immagine che contiene testo, schermata, diagramma, linea&#10;&#10;Descrizione generata automaticamente">
+          <p:cNvPr id="3" name="Immagine 2">
             <a:extLst>
               <a:ext uri="{FF2B5EF4-FFF2-40B4-BE49-F238E27FC236}">
-                <a16:creationId xmlns:a16="http://schemas.microsoft.com/office/drawing/2014/main" id="{14CB99DB-C300-6F48-CE0E-033A0E56C938}"/>
+                <a16:creationId xmlns:a16="http://schemas.microsoft.com/office/drawing/2014/main" id="{CE868BBA-B0C6-A7D7-6992-812F0E2D5358}"/>
               </a:ext>
             </a:extLst>
           </p:cNvPr>
@@ -14317,84 +14317,14 @@
         </p:blipFill>
         <p:spPr>
           <a:xfrm>
-            <a:off x="559945" y="1878961"/>
-            <a:ext cx="7772400" cy="4145280"/>
+            <a:off x="0" y="1865498"/>
+            <a:ext cx="9106429" cy="3541389"/>
           </a:xfrm>
           <a:prstGeom prst="rect">
             <a:avLst/>
           </a:prstGeom>
         </p:spPr>
       </p:pic>
-      <p:sp>
-        <p:nvSpPr>
-          <p:cNvPr id="6" name="CasellaDiTesto 5">
-            <a:extLst>
-              <a:ext uri="{FF2B5EF4-FFF2-40B4-BE49-F238E27FC236}">
-                <a16:creationId xmlns:a16="http://schemas.microsoft.com/office/drawing/2014/main" id="{3FED2071-1697-BBE2-2583-2960F9FA4F1C}"/>
-              </a:ext>
-            </a:extLst>
-          </p:cNvPr>
-          <p:cNvSpPr txBox="1"/>
-          <p:nvPr/>
-        </p:nvSpPr>
-        <p:spPr>
-          <a:xfrm>
-            <a:off x="559945" y="1257134"/>
-            <a:ext cx="4572000" cy="523220"/>
-          </a:xfrm>
-          <a:prstGeom prst="rect">
-            <a:avLst/>
-          </a:prstGeom>
-          <a:noFill/>
-        </p:spPr>
-        <p:txBody>
-          <a:bodyPr wrap="square">
-            <a:spAutoFit/>
-          </a:bodyPr>
-          <a:lstStyle/>
-          <a:p>
-            <a:pPr marL="285750" indent="-285750">
-              <a:buFont typeface="Arial" panose="020B0604020202020204" pitchFamily="34" charset="0"/>
-              <a:buChar char="•"/>
-            </a:pPr>
-            <a:r>
-              <a:rPr lang="en-GB" b="1" dirty="0">
-                <a:highlight>
-                  <a:srgbClr val="FFFF00"/>
-                </a:highlight>
-              </a:rPr>
-              <a:t>See “</a:t>
-            </a:r>
-            <a:r>
-              <a:rPr lang="en-GB" b="1" dirty="0" err="1">
-                <a:highlight>
-                  <a:srgbClr val="FFFF00"/>
-                </a:highlight>
-              </a:rPr>
-              <a:t>notebook.ipynb</a:t>
-            </a:r>
-            <a:r>
-              <a:rPr lang="en-GB" b="1" dirty="0">
-                <a:highlight>
-                  <a:srgbClr val="FFFF00"/>
-                </a:highlight>
-              </a:rPr>
-              <a:t>”</a:t>
-            </a:r>
-          </a:p>
-          <a:p>
-            <a:pPr marL="285750" indent="-285750">
-              <a:buFont typeface="Arial" panose="020B0604020202020204" pitchFamily="34" charset="0"/>
-              <a:buChar char="•"/>
-            </a:pPr>
-            <a:endParaRPr lang="en-GB" b="1" dirty="0">
-              <a:highlight>
-                <a:srgbClr val="FFFF00"/>
-              </a:highlight>
-            </a:endParaRPr>
-          </a:p>
-        </p:txBody>
-      </p:sp>
     </p:spTree>
     <p:extLst>
       <p:ext uri="{BB962C8B-B14F-4D97-AF65-F5344CB8AC3E}">
@@ -16700,7 +16630,7 @@
             <a:pPr lvl="1"/>
             <a:r>
               <a:rPr lang="en-GB" dirty="0"/>
-              <a:t>as we update the weights of the approximate Q-function, the targets also move and make our most recent update outdated.</a:t>
+              <a:t>as we update the weights of the approximate Q-function, the targets also move and make our most recent update outdated</a:t>
             </a:r>
           </a:p>
           <a:p>
@@ -16733,7 +16663,7 @@
         </p:blipFill>
         <p:spPr>
           <a:xfrm>
-            <a:off x="4427620" y="2111842"/>
+            <a:off x="4371931" y="2071268"/>
             <a:ext cx="4609318" cy="590641"/>
           </a:xfrm>
           <a:prstGeom prst="rect">
@@ -16743,10 +16673,10 @@
       </p:pic>
       <p:pic>
         <p:nvPicPr>
-          <p:cNvPr id="6" name="Immagine 5" descr="Immagine che contiene testo, diagramma, linea, Carattere&#10;&#10;Descrizione generata automaticamente">
+          <p:cNvPr id="3" name="Immagine 2">
             <a:extLst>
               <a:ext uri="{FF2B5EF4-FFF2-40B4-BE49-F238E27FC236}">
-                <a16:creationId xmlns:a16="http://schemas.microsoft.com/office/drawing/2014/main" id="{5BC98CD6-700B-9C18-DCAB-0BD7606DD5CE}"/>
+                <a16:creationId xmlns:a16="http://schemas.microsoft.com/office/drawing/2014/main" id="{78E96A67-2332-EB9D-2237-584B09C97F05}"/>
               </a:ext>
             </a:extLst>
           </p:cNvPr>
@@ -16763,8 +16693,8 @@
         </p:blipFill>
         <p:spPr>
           <a:xfrm>
-            <a:off x="1170158" y="2661909"/>
-            <a:ext cx="6803683" cy="3908738"/>
+            <a:off x="581716" y="2749591"/>
+            <a:ext cx="7772400" cy="3855980"/>
           </a:xfrm>
           <a:prstGeom prst="rect">
             <a:avLst/>
@@ -17071,7 +17001,7 @@
             <a:pPr lvl="0"/>
             <a:r>
               <a:rPr lang="en-GB" dirty="0"/>
-              <a:t>A data structure D to </a:t>
+              <a:t>Data structure to </a:t>
             </a:r>
             <a:r>
               <a:rPr lang="en-GB" b="1" dirty="0"/>
@@ -17200,117 +17130,36 @@
           </a:p>
         </p:txBody>
       </p:sp>
-      <p:grpSp>
-        <p:nvGrpSpPr>
-          <p:cNvPr id="9" name="Gruppo 8">
+      <p:pic>
+        <p:nvPicPr>
+          <p:cNvPr id="4" name="Immagine 3" descr="Immagine che contiene testo, diagramma, schermata, linea&#10;&#10;Descrizione generata automaticamente">
             <a:extLst>
               <a:ext uri="{FF2B5EF4-FFF2-40B4-BE49-F238E27FC236}">
-                <a16:creationId xmlns:a16="http://schemas.microsoft.com/office/drawing/2014/main" id="{932A8A73-3F05-C198-76CD-013DB40BA0FE}"/>
+                <a16:creationId xmlns:a16="http://schemas.microsoft.com/office/drawing/2014/main" id="{F3871048-A6B0-87FC-06F5-96FE3E44F6A8}"/>
               </a:ext>
             </a:extLst>
           </p:cNvPr>
-          <p:cNvGrpSpPr/>
+          <p:cNvPicPr>
+            <a:picLocks noChangeAspect="1"/>
+          </p:cNvPicPr>
           <p:nvPr/>
-        </p:nvGrpSpPr>
-        <p:grpSpPr>
+        </p:nvPicPr>
+        <p:blipFill>
+          <a:blip r:embed="rId3"/>
+          <a:stretch>
+            <a:fillRect/>
+          </a:stretch>
+        </p:blipFill>
+        <p:spPr>
           <a:xfrm>
-            <a:off x="1389646" y="3547798"/>
-            <a:ext cx="6364707" cy="2888969"/>
-            <a:chOff x="393700" y="1391094"/>
-            <a:chExt cx="7772400" cy="3803507"/>
+            <a:off x="702365" y="3148672"/>
+            <a:ext cx="7195931" cy="3496772"/>
           </a:xfrm>
-        </p:grpSpPr>
-        <p:pic>
-          <p:nvPicPr>
-            <p:cNvPr id="3" name="Immagine 2">
-              <a:extLst>
-                <a:ext uri="{FF2B5EF4-FFF2-40B4-BE49-F238E27FC236}">
-                  <a16:creationId xmlns:a16="http://schemas.microsoft.com/office/drawing/2014/main" id="{CF2E5AD7-3DCC-9E76-CF55-FB45CBB66D5D}"/>
-                </a:ext>
-              </a:extLst>
-            </p:cNvPr>
-            <p:cNvPicPr>
-              <a:picLocks noChangeAspect="1"/>
-            </p:cNvPicPr>
-            <p:nvPr/>
-          </p:nvPicPr>
-          <p:blipFill>
-            <a:blip r:embed="rId3"/>
-            <a:stretch>
-              <a:fillRect/>
-            </a:stretch>
-          </p:blipFill>
-          <p:spPr>
-            <a:xfrm>
-              <a:off x="393700" y="1568450"/>
-              <a:ext cx="7772400" cy="3460962"/>
-            </a:xfrm>
-            <a:prstGeom prst="rect">
-              <a:avLst/>
-            </a:prstGeom>
-          </p:spPr>
-        </p:pic>
-        <p:pic>
-          <p:nvPicPr>
-            <p:cNvPr id="7" name="Immagine 6">
-              <a:extLst>
-                <a:ext uri="{FF2B5EF4-FFF2-40B4-BE49-F238E27FC236}">
-                  <a16:creationId xmlns:a16="http://schemas.microsoft.com/office/drawing/2014/main" id="{C6EF5E85-A56C-E0B4-62BF-E7CC9D227C76}"/>
-                </a:ext>
-              </a:extLst>
-            </p:cNvPr>
-            <p:cNvPicPr>
-              <a:picLocks noChangeAspect="1"/>
-            </p:cNvPicPr>
-            <p:nvPr/>
-          </p:nvPicPr>
-          <p:blipFill>
-            <a:blip r:embed="rId4"/>
-            <a:stretch>
-              <a:fillRect/>
-            </a:stretch>
-          </p:blipFill>
-          <p:spPr>
-            <a:xfrm>
-              <a:off x="405732" y="5017380"/>
-              <a:ext cx="4406899" cy="177221"/>
-            </a:xfrm>
-            <a:prstGeom prst="rect">
-              <a:avLst/>
-            </a:prstGeom>
-          </p:spPr>
-        </p:pic>
-        <p:pic>
-          <p:nvPicPr>
-            <p:cNvPr id="8" name="Immagine 7">
-              <a:extLst>
-                <a:ext uri="{FF2B5EF4-FFF2-40B4-BE49-F238E27FC236}">
-                  <a16:creationId xmlns:a16="http://schemas.microsoft.com/office/drawing/2014/main" id="{C9C27711-19AF-C121-929B-973A55DC5A46}"/>
-                </a:ext>
-              </a:extLst>
-            </p:cNvPr>
-            <p:cNvPicPr>
-              <a:picLocks noChangeAspect="1"/>
-            </p:cNvPicPr>
-            <p:nvPr/>
-          </p:nvPicPr>
-          <p:blipFill>
-            <a:blip r:embed="rId4"/>
-            <a:stretch>
-              <a:fillRect/>
-            </a:stretch>
-          </p:blipFill>
-          <p:spPr>
-            <a:xfrm rot="10800000">
-              <a:off x="417764" y="1391094"/>
-              <a:ext cx="4406899" cy="177221"/>
-            </a:xfrm>
-            <a:prstGeom prst="rect">
-              <a:avLst/>
-            </a:prstGeom>
-          </p:spPr>
-        </p:pic>
-      </p:grpSp>
+          <a:prstGeom prst="rect">
+            <a:avLst/>
+          </a:prstGeom>
+        </p:spPr>
+      </p:pic>
     </p:spTree>
     <p:extLst>
       <p:ext uri="{BB962C8B-B14F-4D97-AF65-F5344CB8AC3E}">
@@ -17475,10 +17324,10 @@
       </p:sp>
       <p:pic>
         <p:nvPicPr>
-          <p:cNvPr id="6" name="Immagine 5">
+          <p:cNvPr id="3" name="Immagine 2">
             <a:extLst>
               <a:ext uri="{FF2B5EF4-FFF2-40B4-BE49-F238E27FC236}">
-                <a16:creationId xmlns:a16="http://schemas.microsoft.com/office/drawing/2014/main" id="{A205016A-F08D-CB54-EC74-9CE72D08CBDB}"/>
+                <a16:creationId xmlns:a16="http://schemas.microsoft.com/office/drawing/2014/main" id="{828A3654-B8F6-2C79-3289-6BA8809CF101}"/>
               </a:ext>
             </a:extLst>
           </p:cNvPr>
@@ -17495,8 +17344,8 @@
         </p:blipFill>
         <p:spPr>
           <a:xfrm>
-            <a:off x="663428" y="5162648"/>
-            <a:ext cx="7226300" cy="584200"/>
+            <a:off x="635552" y="5056256"/>
+            <a:ext cx="5461000" cy="482600"/>
           </a:xfrm>
           <a:prstGeom prst="rect">
             <a:avLst/>
@@ -17592,12 +17441,44 @@
           </a:bodyPr>
           <a:lstStyle/>
           <a:p>
-            <a:endParaRPr lang="en-GB" sz="1050" dirty="0"/>
-          </a:p>
-          <a:p>
             <a:r>
               <a:rPr lang="en-GB" dirty="0"/>
-              <a:t>A way to make target values more stationary is to have a separate </a:t>
+              <a:t>As we mentioned before, </a:t>
+            </a:r>
+            <a:r>
+              <a:rPr lang="en-GB" b="1" dirty="0"/>
+              <a:t>the targets used for training are not stationary</a:t>
+            </a:r>
+            <a:r>
+              <a:rPr lang="en-GB" dirty="0"/>
+              <a:t>:</a:t>
+            </a:r>
+          </a:p>
+          <a:p>
+            <a:endParaRPr lang="en-GB" dirty="0"/>
+          </a:p>
+          <a:p>
+            <a:endParaRPr lang="en-GB" dirty="0"/>
+          </a:p>
+          <a:p>
+            <a:endParaRPr lang="en-GB" dirty="0"/>
+          </a:p>
+          <a:p>
+            <a:endParaRPr lang="en-GB" dirty="0"/>
+          </a:p>
+          <a:p>
+            <a:endParaRPr lang="en-GB" dirty="0"/>
+          </a:p>
+          <a:p>
+            <a:endParaRPr lang="en-GB" dirty="0"/>
+          </a:p>
+          <a:p>
+            <a:endParaRPr lang="en-GB" dirty="0"/>
+          </a:p>
+          <a:p>
+            <a:r>
+              <a:rPr lang="en-GB" dirty="0"/>
+              <a:t>To make target values more stationary we can have a separate </a:t>
             </a:r>
             <a:r>
               <a:rPr lang="en-GB" b="1" dirty="0"/>
@@ -17609,10 +17490,7 @@
             </a:r>
           </a:p>
           <a:p>
-            <a:r>
-              <a:rPr lang="en-GB" dirty="0"/>
-              <a:t>We can </a:t>
-            </a:r>
+            <a:pPr lvl="1"/>
             <a:r>
               <a:rPr lang="en-GB" b="1" dirty="0"/>
               <a:t>fix it for multiple steps </a:t>
@@ -17630,10 +17508,10 @@
       </p:sp>
       <p:pic>
         <p:nvPicPr>
-          <p:cNvPr id="3" name="Immagine 2">
+          <p:cNvPr id="7" name="Immagine 6">
             <a:extLst>
               <a:ext uri="{FF2B5EF4-FFF2-40B4-BE49-F238E27FC236}">
-                <a16:creationId xmlns:a16="http://schemas.microsoft.com/office/drawing/2014/main" id="{E42632F4-13BB-1A14-0971-4857317CF830}"/>
+                <a16:creationId xmlns:a16="http://schemas.microsoft.com/office/drawing/2014/main" id="{BC2FAFB3-054F-F448-835F-B434E49B9799}"/>
               </a:ext>
             </a:extLst>
           </p:cNvPr>
@@ -17650,8 +17528,8 @@
         </p:blipFill>
         <p:spPr>
           <a:xfrm>
-            <a:off x="117695" y="2986122"/>
-            <a:ext cx="4454306" cy="2921382"/>
+            <a:off x="451857" y="1724991"/>
+            <a:ext cx="8240285" cy="1704009"/>
           </a:xfrm>
           <a:prstGeom prst="rect">
             <a:avLst/>
@@ -17660,10 +17538,10 @@
       </p:pic>
       <p:pic>
         <p:nvPicPr>
-          <p:cNvPr id="5" name="Immagine 4" descr="Immagine che contiene tavolo&#10;&#10;Descrizione generata automaticamente">
+          <p:cNvPr id="9" name="Immagine 8">
             <a:extLst>
               <a:ext uri="{FF2B5EF4-FFF2-40B4-BE49-F238E27FC236}">
-                <a16:creationId xmlns:a16="http://schemas.microsoft.com/office/drawing/2014/main" id="{E1C50335-B222-0491-921D-32AB905C25D9}"/>
+                <a16:creationId xmlns:a16="http://schemas.microsoft.com/office/drawing/2014/main" id="{0A5EDB2E-0C1B-F131-C6C9-BB34541F4A5D}"/>
               </a:ext>
             </a:extLst>
           </p:cNvPr>
@@ -17680,8 +17558,8 @@
         </p:blipFill>
         <p:spPr>
           <a:xfrm>
-            <a:off x="4572000" y="2893739"/>
-            <a:ext cx="4409249" cy="3025797"/>
+            <a:off x="381329" y="4462240"/>
+            <a:ext cx="8599921" cy="1704009"/>
           </a:xfrm>
           <a:prstGeom prst="rect">
             <a:avLst/>
@@ -17909,10 +17787,10 @@
       </p:sp>
       <p:pic>
         <p:nvPicPr>
-          <p:cNvPr id="4" name="Immagine 3">
+          <p:cNvPr id="3" name="Immagine 2">
             <a:extLst>
               <a:ext uri="{FF2B5EF4-FFF2-40B4-BE49-F238E27FC236}">
-                <a16:creationId xmlns:a16="http://schemas.microsoft.com/office/drawing/2014/main" id="{25A030F1-4059-9E54-18BB-AE29E6B97EB4}"/>
+                <a16:creationId xmlns:a16="http://schemas.microsoft.com/office/drawing/2014/main" id="{196E140F-4085-0A77-9C53-D2A04BF75D0E}"/>
               </a:ext>
             </a:extLst>
           </p:cNvPr>
@@ -17929,8 +17807,8 @@
         </p:blipFill>
         <p:spPr>
           <a:xfrm>
-            <a:off x="795900" y="3507152"/>
-            <a:ext cx="7073900" cy="635000"/>
+            <a:off x="789885" y="3495260"/>
+            <a:ext cx="5549900" cy="596900"/>
           </a:xfrm>
           <a:prstGeom prst="rect">
             <a:avLst/>
